--- a/Curso Dev Full Stack aula 01 sql.pptx
+++ b/Curso Dev Full Stack aula 01 sql.pptx
@@ -323,7 +323,7 @@
           <a:p>
             <a:fld id="{D12520B4-5B4C-4CA1-8203-693214A524F7}" type="datetimeFigureOut">
               <a:rPr lang="pt-BR" smtClean="0"/>
-              <a:t>22/01/2023</a:t>
+              <a:t>24/01/2023</a:t>
             </a:fld>
             <a:endParaRPr lang="pt-BR"/>
           </a:p>
@@ -521,7 +521,7 @@
           <a:p>
             <a:fld id="{D12520B4-5B4C-4CA1-8203-693214A524F7}" type="datetimeFigureOut">
               <a:rPr lang="pt-BR" smtClean="0"/>
-              <a:t>22/01/2023</a:t>
+              <a:t>24/01/2023</a:t>
             </a:fld>
             <a:endParaRPr lang="pt-BR"/>
           </a:p>
@@ -729,7 +729,7 @@
           <a:p>
             <a:fld id="{D12520B4-5B4C-4CA1-8203-693214A524F7}" type="datetimeFigureOut">
               <a:rPr lang="pt-BR" smtClean="0"/>
-              <a:t>22/01/2023</a:t>
+              <a:t>24/01/2023</a:t>
             </a:fld>
             <a:endParaRPr lang="pt-BR"/>
           </a:p>
@@ -927,7 +927,7 @@
           <a:p>
             <a:fld id="{D12520B4-5B4C-4CA1-8203-693214A524F7}" type="datetimeFigureOut">
               <a:rPr lang="pt-BR" smtClean="0"/>
-              <a:t>22/01/2023</a:t>
+              <a:t>24/01/2023</a:t>
             </a:fld>
             <a:endParaRPr lang="pt-BR"/>
           </a:p>
@@ -1202,7 +1202,7 @@
           <a:p>
             <a:fld id="{D12520B4-5B4C-4CA1-8203-693214A524F7}" type="datetimeFigureOut">
               <a:rPr lang="pt-BR" smtClean="0"/>
-              <a:t>22/01/2023</a:t>
+              <a:t>24/01/2023</a:t>
             </a:fld>
             <a:endParaRPr lang="pt-BR"/>
           </a:p>
@@ -1467,7 +1467,7 @@
           <a:p>
             <a:fld id="{D12520B4-5B4C-4CA1-8203-693214A524F7}" type="datetimeFigureOut">
               <a:rPr lang="pt-BR" smtClean="0"/>
-              <a:t>22/01/2023</a:t>
+              <a:t>24/01/2023</a:t>
             </a:fld>
             <a:endParaRPr lang="pt-BR"/>
           </a:p>
@@ -1879,7 +1879,7 @@
           <a:p>
             <a:fld id="{D12520B4-5B4C-4CA1-8203-693214A524F7}" type="datetimeFigureOut">
               <a:rPr lang="pt-BR" smtClean="0"/>
-              <a:t>22/01/2023</a:t>
+              <a:t>24/01/2023</a:t>
             </a:fld>
             <a:endParaRPr lang="pt-BR"/>
           </a:p>
@@ -2020,7 +2020,7 @@
           <a:p>
             <a:fld id="{D12520B4-5B4C-4CA1-8203-693214A524F7}" type="datetimeFigureOut">
               <a:rPr lang="pt-BR" smtClean="0"/>
-              <a:t>22/01/2023</a:t>
+              <a:t>24/01/2023</a:t>
             </a:fld>
             <a:endParaRPr lang="pt-BR"/>
           </a:p>
@@ -2133,7 +2133,7 @@
           <a:p>
             <a:fld id="{D12520B4-5B4C-4CA1-8203-693214A524F7}" type="datetimeFigureOut">
               <a:rPr lang="pt-BR" smtClean="0"/>
-              <a:t>22/01/2023</a:t>
+              <a:t>24/01/2023</a:t>
             </a:fld>
             <a:endParaRPr lang="pt-BR"/>
           </a:p>
@@ -2444,7 +2444,7 @@
           <a:p>
             <a:fld id="{D12520B4-5B4C-4CA1-8203-693214A524F7}" type="datetimeFigureOut">
               <a:rPr lang="pt-BR" smtClean="0"/>
-              <a:t>22/01/2023</a:t>
+              <a:t>24/01/2023</a:t>
             </a:fld>
             <a:endParaRPr lang="pt-BR"/>
           </a:p>
@@ -2732,7 +2732,7 @@
           <a:p>
             <a:fld id="{D12520B4-5B4C-4CA1-8203-693214A524F7}" type="datetimeFigureOut">
               <a:rPr lang="pt-BR" smtClean="0"/>
-              <a:t>22/01/2023</a:t>
+              <a:t>24/01/2023</a:t>
             </a:fld>
             <a:endParaRPr lang="pt-BR"/>
           </a:p>
@@ -2973,7 +2973,7 @@
           <a:p>
             <a:fld id="{D12520B4-5B4C-4CA1-8203-693214A524F7}" type="datetimeFigureOut">
               <a:rPr lang="pt-BR" smtClean="0"/>
-              <a:t>22/01/2023</a:t>
+              <a:t>24/01/2023</a:t>
             </a:fld>
             <a:endParaRPr lang="pt-BR"/>
           </a:p>
@@ -7968,25 +7968,44 @@
               <a:buNone/>
             </a:pPr>
             <a:r>
-              <a:rPr lang="pt-BR" dirty="0"/>
-              <a:t>ALTER TABLE </a:t>
-            </a:r>
-            <a:r>
-              <a:rPr lang="pt-BR" dirty="0" err="1"/>
-              <a:t>funcionarios</a:t>
+              <a:rPr lang="pt-BR" dirty="0" err="1"/>
+              <a:t>alter</a:t>
             </a:r>
             <a:r>
               <a:rPr lang="pt-BR" dirty="0"/>
               <a:t> </a:t>
             </a:r>
-          </a:p>
-          <a:p>
-            <a:pPr marL="0" indent="0">
-              <a:buNone/>
-            </a:pPr>
-            <a:r>
-              <a:rPr lang="pt-BR" dirty="0"/>
-              <a:t>ADD(</a:t>
+            <a:r>
+              <a:rPr lang="pt-BR" dirty="0" err="1"/>
+              <a:t>table</a:t>
+            </a:r>
+            <a:r>
+              <a:rPr lang="pt-BR" dirty="0"/>
+              <a:t> </a:t>
+            </a:r>
+            <a:r>
+              <a:rPr lang="pt-BR" dirty="0" err="1"/>
+              <a:t>funcionario</a:t>
+            </a:r>
+            <a:r>
+              <a:rPr lang="pt-BR" dirty="0"/>
+              <a:t> </a:t>
+            </a:r>
+            <a:r>
+              <a:rPr lang="pt-BR" dirty="0" err="1"/>
+              <a:t>add</a:t>
+            </a:r>
+            <a:r>
+              <a:rPr lang="pt-BR" dirty="0"/>
+              <a:t> </a:t>
+            </a:r>
+            <a:r>
+              <a:rPr lang="pt-BR" dirty="0" err="1"/>
+              <a:t>column</a:t>
+            </a:r>
+            <a:r>
+              <a:rPr lang="pt-BR" dirty="0"/>
+              <a:t> </a:t>
             </a:r>
             <a:r>
               <a:rPr lang="pt-BR" dirty="0" err="1"/>
@@ -8002,7 +8021,7 @@
             </a:r>
             <a:r>
               <a:rPr lang="pt-BR" dirty="0"/>
-              <a:t> (50));</a:t>
+              <a:t> (50);</a:t>
             </a:r>
           </a:p>
           <a:p>
@@ -8025,22 +8044,16 @@
             </a:r>
             <a:r>
               <a:rPr lang="pt-BR" dirty="0"/>
-              <a:t> então torna-se necessário se adicionar o código:</a:t>
-            </a:r>
-          </a:p>
-          <a:p>
-            <a:pPr marL="0" indent="0">
-              <a:buNone/>
-            </a:pPr>
-            <a:r>
-              <a:rPr lang="en-US" dirty="0"/>
-              <a:t>SET SQL_SAFE_UPDATES = 0;</a:t>
-            </a:r>
-          </a:p>
-          <a:p>
-            <a:pPr marL="0" indent="0">
-              <a:buNone/>
-            </a:pPr>
+              <a:t> então torna-se necessário se adicionar o </a:t>
+            </a:r>
+            <a:r>
+              <a:rPr lang="pt-BR" dirty="0" err="1"/>
+              <a:t>código:SET</a:t>
+            </a:r>
+            <a:r>
+              <a:rPr lang="pt-BR" dirty="0"/>
+              <a:t> SQL_SAFE_UPDATES = 0;</a:t>
+            </a:r>
             <a:endParaRPr lang="en-US" dirty="0"/>
           </a:p>
           <a:p>
